--- a/docs/diagrams/ApplicationScreenShots.pptx
+++ b/docs/diagrams/ApplicationScreenShots.pptx
@@ -106,6 +106,11 @@
       </a:defRPr>
     </a:lvl9pPr>
   </p:defaultTextStyle>
+  <p:extLst>
+    <p:ext uri="{EFAFB233-063F-42B5-8137-9DF3F51BA10A}">
+      <p15:sldGuideLst xmlns:p15="http://schemas.microsoft.com/office/powerpoint/2012/main"/>
+    </p:ext>
+  </p:extLst>
 </p:presentation>
 </file>
 
@@ -256,7 +261,7 @@
           <a:p>
             <a:fld id="{6607F4F2-1D7F-4FE8-93FF-0855C621CCD1}" type="datetimeFigureOut">
               <a:rPr lang="en-US" smtClean="0"/>
-              <a:t>4/10/2018</a:t>
+              <a:t>4/15/2018</a:t>
             </a:fld>
             <a:endParaRPr lang="en-US"/>
           </a:p>
@@ -454,7 +459,7 @@
           <a:p>
             <a:fld id="{6607F4F2-1D7F-4FE8-93FF-0855C621CCD1}" type="datetimeFigureOut">
               <a:rPr lang="en-US" smtClean="0"/>
-              <a:t>4/10/2018</a:t>
+              <a:t>4/15/2018</a:t>
             </a:fld>
             <a:endParaRPr lang="en-US"/>
           </a:p>
@@ -662,7 +667,7 @@
           <a:p>
             <a:fld id="{6607F4F2-1D7F-4FE8-93FF-0855C621CCD1}" type="datetimeFigureOut">
               <a:rPr lang="en-US" smtClean="0"/>
-              <a:t>4/10/2018</a:t>
+              <a:t>4/15/2018</a:t>
             </a:fld>
             <a:endParaRPr lang="en-US"/>
           </a:p>
@@ -860,7 +865,7 @@
           <a:p>
             <a:fld id="{6607F4F2-1D7F-4FE8-93FF-0855C621CCD1}" type="datetimeFigureOut">
               <a:rPr lang="en-US" smtClean="0"/>
-              <a:t>4/10/2018</a:t>
+              <a:t>4/15/2018</a:t>
             </a:fld>
             <a:endParaRPr lang="en-US"/>
           </a:p>
@@ -1135,7 +1140,7 @@
           <a:p>
             <a:fld id="{6607F4F2-1D7F-4FE8-93FF-0855C621CCD1}" type="datetimeFigureOut">
               <a:rPr lang="en-US" smtClean="0"/>
-              <a:t>4/10/2018</a:t>
+              <a:t>4/15/2018</a:t>
             </a:fld>
             <a:endParaRPr lang="en-US"/>
           </a:p>
@@ -1400,7 +1405,7 @@
           <a:p>
             <a:fld id="{6607F4F2-1D7F-4FE8-93FF-0855C621CCD1}" type="datetimeFigureOut">
               <a:rPr lang="en-US" smtClean="0"/>
-              <a:t>4/10/2018</a:t>
+              <a:t>4/15/2018</a:t>
             </a:fld>
             <a:endParaRPr lang="en-US"/>
           </a:p>
@@ -1812,7 +1817,7 @@
           <a:p>
             <a:fld id="{6607F4F2-1D7F-4FE8-93FF-0855C621CCD1}" type="datetimeFigureOut">
               <a:rPr lang="en-US" smtClean="0"/>
-              <a:t>4/10/2018</a:t>
+              <a:t>4/15/2018</a:t>
             </a:fld>
             <a:endParaRPr lang="en-US"/>
           </a:p>
@@ -1953,7 +1958,7 @@
           <a:p>
             <a:fld id="{6607F4F2-1D7F-4FE8-93FF-0855C621CCD1}" type="datetimeFigureOut">
               <a:rPr lang="en-US" smtClean="0"/>
-              <a:t>4/10/2018</a:t>
+              <a:t>4/15/2018</a:t>
             </a:fld>
             <a:endParaRPr lang="en-US"/>
           </a:p>
@@ -2066,7 +2071,7 @@
           <a:p>
             <a:fld id="{6607F4F2-1D7F-4FE8-93FF-0855C621CCD1}" type="datetimeFigureOut">
               <a:rPr lang="en-US" smtClean="0"/>
-              <a:t>4/10/2018</a:t>
+              <a:t>4/15/2018</a:t>
             </a:fld>
             <a:endParaRPr lang="en-US"/>
           </a:p>
@@ -2377,7 +2382,7 @@
           <a:p>
             <a:fld id="{6607F4F2-1D7F-4FE8-93FF-0855C621CCD1}" type="datetimeFigureOut">
               <a:rPr lang="en-US" smtClean="0"/>
-              <a:t>4/10/2018</a:t>
+              <a:t>4/15/2018</a:t>
             </a:fld>
             <a:endParaRPr lang="en-US"/>
           </a:p>
@@ -2665,7 +2670,7 @@
           <a:p>
             <a:fld id="{6607F4F2-1D7F-4FE8-93FF-0855C621CCD1}" type="datetimeFigureOut">
               <a:rPr lang="en-US" smtClean="0"/>
-              <a:t>4/10/2018</a:t>
+              <a:t>4/15/2018</a:t>
             </a:fld>
             <a:endParaRPr lang="en-US"/>
           </a:p>
@@ -2906,7 +2911,7 @@
           <a:p>
             <a:fld id="{6607F4F2-1D7F-4FE8-93FF-0855C621CCD1}" type="datetimeFigureOut">
               <a:rPr lang="en-US" smtClean="0"/>
-              <a:t>4/10/2018</a:t>
+              <a:t>4/15/2018</a:t>
             </a:fld>
             <a:endParaRPr lang="en-US"/>
           </a:p>
@@ -3325,10 +3330,10 @@
       </p:grpSpPr>
       <p:grpSp>
         <p:nvGrpSpPr>
-          <p:cNvPr id="22" name="Group 21">
-            <a:extLst>
-              <a:ext uri="{FF2B5EF4-FFF2-40B4-BE49-F238E27FC236}">
-                <a16:creationId xmlns:a16="http://schemas.microsoft.com/office/drawing/2014/main" id="{CE98B627-7D6B-4509-B036-C99D69CAE0D3}"/>
+          <p:cNvPr id="3" name="Group 2">
+            <a:extLst>
+              <a:ext uri="{FF2B5EF4-FFF2-40B4-BE49-F238E27FC236}">
+                <a16:creationId xmlns:a16="http://schemas.microsoft.com/office/drawing/2014/main" id="{AB133DAB-6A0E-4D06-B280-A09780FD8BC2}"/>
               </a:ext>
             </a:extLst>
           </p:cNvPr>
@@ -4093,6 +4098,36 @@
             </a:p>
           </p:txBody>
         </p:sp>
+        <p:pic>
+          <p:nvPicPr>
+            <p:cNvPr id="2" name="Picture 1">
+              <a:extLst>
+                <a:ext uri="{FF2B5EF4-FFF2-40B4-BE49-F238E27FC236}">
+                  <a16:creationId xmlns:a16="http://schemas.microsoft.com/office/drawing/2014/main" id="{39A1E3B0-4034-4B91-AE93-B9D3EAD2B29C}"/>
+                </a:ext>
+              </a:extLst>
+            </p:cNvPr>
+            <p:cNvPicPr>
+              <a:picLocks noChangeAspect="1"/>
+            </p:cNvPicPr>
+            <p:nvPr/>
+          </p:nvPicPr>
+          <p:blipFill>
+            <a:blip r:embed="rId3"/>
+            <a:stretch>
+              <a:fillRect/>
+            </a:stretch>
+          </p:blipFill>
+          <p:spPr>
+            <a:xfrm>
+              <a:off x="1964455" y="339688"/>
+              <a:ext cx="957108" cy="242468"/>
+            </a:xfrm>
+            <a:prstGeom prst="rect">
+              <a:avLst/>
+            </a:prstGeom>
+          </p:spPr>
+        </p:pic>
       </p:grpSp>
     </p:spTree>
     <p:extLst>
@@ -4126,10 +4161,592 @@
       </p:grpSpPr>
       <p:grpSp>
         <p:nvGrpSpPr>
-          <p:cNvPr id="6" name="Group 5">
-            <a:extLst>
-              <a:ext uri="{FF2B5EF4-FFF2-40B4-BE49-F238E27FC236}">
-                <a16:creationId xmlns:a16="http://schemas.microsoft.com/office/drawing/2014/main" id="{5C1D61AE-4FB7-45B3-A02A-0B4DDE092B4C}"/>
+          <p:cNvPr id="4" name="Group 3">
+            <a:extLst>
+              <a:ext uri="{FF2B5EF4-FFF2-40B4-BE49-F238E27FC236}">
+                <a16:creationId xmlns:a16="http://schemas.microsoft.com/office/drawing/2014/main" id="{58DC2D2E-2052-4593-A6EC-BD0221ADC64B}"/>
+              </a:ext>
+            </a:extLst>
+          </p:cNvPr>
+          <p:cNvGrpSpPr/>
+          <p:nvPr/>
+        </p:nvGrpSpPr>
+        <p:grpSpPr>
+          <a:xfrm>
+            <a:off x="2006875" y="288120"/>
+            <a:ext cx="6875188" cy="3715474"/>
+            <a:chOff x="2006875" y="288120"/>
+            <a:chExt cx="6875188" cy="3715474"/>
+          </a:xfrm>
+        </p:grpSpPr>
+        <p:grpSp>
+          <p:nvGrpSpPr>
+            <p:cNvPr id="6" name="Group 5">
+              <a:extLst>
+                <a:ext uri="{FF2B5EF4-FFF2-40B4-BE49-F238E27FC236}">
+                  <a16:creationId xmlns:a16="http://schemas.microsoft.com/office/drawing/2014/main" id="{5C1D61AE-4FB7-45B3-A02A-0B4DDE092B4C}"/>
+                </a:ext>
+              </a:extLst>
+            </p:cNvPr>
+            <p:cNvGrpSpPr/>
+            <p:nvPr/>
+          </p:nvGrpSpPr>
+          <p:grpSpPr>
+            <a:xfrm>
+              <a:off x="2006875" y="288120"/>
+              <a:ext cx="6875188" cy="3715474"/>
+              <a:chOff x="2006875" y="288120"/>
+              <a:chExt cx="6875188" cy="3715474"/>
+            </a:xfrm>
+          </p:grpSpPr>
+          <p:pic>
+            <p:nvPicPr>
+              <p:cNvPr id="3" name="Picture 2">
+                <a:extLst>
+                  <a:ext uri="{FF2B5EF4-FFF2-40B4-BE49-F238E27FC236}">
+                    <a16:creationId xmlns:a16="http://schemas.microsoft.com/office/drawing/2014/main" id="{DA568356-789A-425C-9036-D740E817B8A5}"/>
+                  </a:ext>
+                </a:extLst>
+              </p:cNvPr>
+              <p:cNvPicPr>
+                <a:picLocks noChangeAspect="1"/>
+              </p:cNvPicPr>
+              <p:nvPr/>
+            </p:nvPicPr>
+            <p:blipFill>
+              <a:blip r:embed="rId2"/>
+              <a:stretch>
+                <a:fillRect/>
+              </a:stretch>
+            </p:blipFill>
+            <p:spPr>
+              <a:xfrm>
+                <a:off x="2006875" y="288120"/>
+                <a:ext cx="6875188" cy="3715474"/>
+              </a:xfrm>
+              <a:prstGeom prst="rect">
+                <a:avLst/>
+              </a:prstGeom>
+            </p:spPr>
+          </p:pic>
+          <p:sp>
+            <p:nvSpPr>
+              <p:cNvPr id="5" name="Rectangle 4">
+                <a:extLst>
+                  <a:ext uri="{FF2B5EF4-FFF2-40B4-BE49-F238E27FC236}">
+                    <a16:creationId xmlns:a16="http://schemas.microsoft.com/office/drawing/2014/main" id="{E57CE38C-1F19-43DA-8F4A-C417FF1D409B}"/>
+                  </a:ext>
+                </a:extLst>
+              </p:cNvPr>
+              <p:cNvSpPr/>
+              <p:nvPr/>
+            </p:nvSpPr>
+            <p:spPr>
+              <a:xfrm>
+                <a:off x="2037144" y="1747777"/>
+                <a:ext cx="2164466" cy="2008883"/>
+              </a:xfrm>
+              <a:prstGeom prst="rect">
+                <a:avLst/>
+              </a:prstGeom>
+              <a:noFill/>
+              <a:ln>
+                <a:solidFill>
+                  <a:srgbClr val="FF0000"/>
+                </a:solidFill>
+              </a:ln>
+            </p:spPr>
+            <p:style>
+              <a:lnRef idx="2">
+                <a:schemeClr val="accent1">
+                  <a:shade val="50000"/>
+                </a:schemeClr>
+              </a:lnRef>
+              <a:fillRef idx="1">
+                <a:schemeClr val="accent1"/>
+              </a:fillRef>
+              <a:effectRef idx="0">
+                <a:schemeClr val="accent1"/>
+              </a:effectRef>
+              <a:fontRef idx="minor">
+                <a:schemeClr val="lt1"/>
+              </a:fontRef>
+            </p:style>
+            <p:txBody>
+              <a:bodyPr rtlCol="0" anchor="ctr"/>
+              <a:lstStyle/>
+              <a:p>
+                <a:pPr algn="ctr"/>
+                <a:endParaRPr lang="en-US"/>
+              </a:p>
+            </p:txBody>
+          </p:sp>
+          <p:sp>
+            <p:nvSpPr>
+              <p:cNvPr id="7" name="Rectangle 6">
+                <a:extLst>
+                  <a:ext uri="{FF2B5EF4-FFF2-40B4-BE49-F238E27FC236}">
+                    <a16:creationId xmlns:a16="http://schemas.microsoft.com/office/drawing/2014/main" id="{C7304C56-0642-4343-9AA5-40B9111B08D9}"/>
+                  </a:ext>
+                </a:extLst>
+              </p:cNvPr>
+              <p:cNvSpPr/>
+              <p:nvPr/>
+            </p:nvSpPr>
+            <p:spPr>
+              <a:xfrm>
+                <a:off x="2037144" y="748634"/>
+                <a:ext cx="6813872" cy="241966"/>
+              </a:xfrm>
+              <a:prstGeom prst="rect">
+                <a:avLst/>
+              </a:prstGeom>
+              <a:noFill/>
+              <a:ln>
+                <a:solidFill>
+                  <a:srgbClr val="FF0000"/>
+                </a:solidFill>
+              </a:ln>
+            </p:spPr>
+            <p:style>
+              <a:lnRef idx="2">
+                <a:schemeClr val="accent1">
+                  <a:shade val="50000"/>
+                </a:schemeClr>
+              </a:lnRef>
+              <a:fillRef idx="1">
+                <a:schemeClr val="accent1"/>
+              </a:fillRef>
+              <a:effectRef idx="0">
+                <a:schemeClr val="accent1"/>
+              </a:effectRef>
+              <a:fontRef idx="minor">
+                <a:schemeClr val="lt1"/>
+              </a:fontRef>
+            </p:style>
+            <p:txBody>
+              <a:bodyPr rtlCol="0" anchor="ctr"/>
+              <a:lstStyle/>
+              <a:p>
+                <a:pPr algn="ctr"/>
+                <a:endParaRPr lang="en-US"/>
+              </a:p>
+            </p:txBody>
+          </p:sp>
+          <p:sp>
+            <p:nvSpPr>
+              <p:cNvPr id="8" name="Rectangle 7">
+                <a:extLst>
+                  <a:ext uri="{FF2B5EF4-FFF2-40B4-BE49-F238E27FC236}">
+                    <a16:creationId xmlns:a16="http://schemas.microsoft.com/office/drawing/2014/main" id="{CBB405BF-4067-4F2C-8A63-D83F03CE0C6A}"/>
+                  </a:ext>
+                </a:extLst>
+              </p:cNvPr>
+              <p:cNvSpPr/>
+              <p:nvPr/>
+            </p:nvSpPr>
+            <p:spPr>
+              <a:xfrm>
+                <a:off x="2037144" y="1072484"/>
+                <a:ext cx="6813872" cy="469463"/>
+              </a:xfrm>
+              <a:prstGeom prst="rect">
+                <a:avLst/>
+              </a:prstGeom>
+              <a:noFill/>
+              <a:ln>
+                <a:solidFill>
+                  <a:srgbClr val="FF0000"/>
+                </a:solidFill>
+              </a:ln>
+            </p:spPr>
+            <p:style>
+              <a:lnRef idx="2">
+                <a:schemeClr val="accent1">
+                  <a:shade val="50000"/>
+                </a:schemeClr>
+              </a:lnRef>
+              <a:fillRef idx="1">
+                <a:schemeClr val="accent1"/>
+              </a:fillRef>
+              <a:effectRef idx="0">
+                <a:schemeClr val="accent1"/>
+              </a:effectRef>
+              <a:fontRef idx="minor">
+                <a:schemeClr val="lt1"/>
+              </a:fontRef>
+            </p:style>
+            <p:txBody>
+              <a:bodyPr rtlCol="0" anchor="ctr"/>
+              <a:lstStyle/>
+              <a:p>
+                <a:pPr algn="ctr"/>
+                <a:endParaRPr lang="en-US"/>
+              </a:p>
+            </p:txBody>
+          </p:sp>
+          <p:sp>
+            <p:nvSpPr>
+              <p:cNvPr id="9" name="Rectangle 8">
+                <a:extLst>
+                  <a:ext uri="{FF2B5EF4-FFF2-40B4-BE49-F238E27FC236}">
+                    <a16:creationId xmlns:a16="http://schemas.microsoft.com/office/drawing/2014/main" id="{5C7383EE-9F1D-4DFB-9828-F79ECA474F21}"/>
+                  </a:ext>
+                </a:extLst>
+              </p:cNvPr>
+              <p:cNvSpPr/>
+              <p:nvPr/>
+            </p:nvSpPr>
+            <p:spPr>
+              <a:xfrm>
+                <a:off x="6631967" y="1747777"/>
+                <a:ext cx="2077582" cy="2008883"/>
+              </a:xfrm>
+              <a:prstGeom prst="rect">
+                <a:avLst/>
+              </a:prstGeom>
+              <a:noFill/>
+              <a:ln>
+                <a:solidFill>
+                  <a:srgbClr val="FF0000"/>
+                </a:solidFill>
+              </a:ln>
+            </p:spPr>
+            <p:style>
+              <a:lnRef idx="2">
+                <a:schemeClr val="accent1">
+                  <a:shade val="50000"/>
+                </a:schemeClr>
+              </a:lnRef>
+              <a:fillRef idx="1">
+                <a:schemeClr val="accent1"/>
+              </a:fillRef>
+              <a:effectRef idx="0">
+                <a:schemeClr val="accent1"/>
+              </a:effectRef>
+              <a:fontRef idx="minor">
+                <a:schemeClr val="lt1"/>
+              </a:fontRef>
+            </p:style>
+            <p:txBody>
+              <a:bodyPr rtlCol="0" anchor="ctr"/>
+              <a:lstStyle/>
+              <a:p>
+                <a:pPr algn="ctr"/>
+                <a:endParaRPr lang="en-US"/>
+              </a:p>
+            </p:txBody>
+          </p:sp>
+          <p:sp>
+            <p:nvSpPr>
+              <p:cNvPr id="10" name="Rectangle 9">
+                <a:extLst>
+                  <a:ext uri="{FF2B5EF4-FFF2-40B4-BE49-F238E27FC236}">
+                    <a16:creationId xmlns:a16="http://schemas.microsoft.com/office/drawing/2014/main" id="{C01598FD-DBE7-48AD-A5BE-BF43F1A3BFAC}"/>
+                  </a:ext>
+                </a:extLst>
+              </p:cNvPr>
+              <p:cNvSpPr/>
+              <p:nvPr/>
+            </p:nvSpPr>
+            <p:spPr>
+              <a:xfrm>
+                <a:off x="4284054" y="1747777"/>
+                <a:ext cx="2250096" cy="2008883"/>
+              </a:xfrm>
+              <a:prstGeom prst="rect">
+                <a:avLst/>
+              </a:prstGeom>
+              <a:noFill/>
+              <a:ln>
+                <a:solidFill>
+                  <a:srgbClr val="FF0000"/>
+                </a:solidFill>
+              </a:ln>
+            </p:spPr>
+            <p:style>
+              <a:lnRef idx="2">
+                <a:schemeClr val="accent1">
+                  <a:shade val="50000"/>
+                </a:schemeClr>
+              </a:lnRef>
+              <a:fillRef idx="1">
+                <a:schemeClr val="accent1"/>
+              </a:fillRef>
+              <a:effectRef idx="0">
+                <a:schemeClr val="accent1"/>
+              </a:effectRef>
+              <a:fontRef idx="minor">
+                <a:schemeClr val="lt1"/>
+              </a:fontRef>
+            </p:style>
+            <p:txBody>
+              <a:bodyPr rtlCol="0" anchor="ctr"/>
+              <a:lstStyle/>
+              <a:p>
+                <a:pPr algn="ctr"/>
+                <a:endParaRPr lang="en-US"/>
+              </a:p>
+            </p:txBody>
+          </p:sp>
+          <p:sp>
+            <p:nvSpPr>
+              <p:cNvPr id="11" name="TextBox 10">
+                <a:extLst>
+                  <a:ext uri="{FF2B5EF4-FFF2-40B4-BE49-F238E27FC236}">
+                    <a16:creationId xmlns:a16="http://schemas.microsoft.com/office/drawing/2014/main" id="{2BE28EB0-511E-4DB3-8A6F-39139658BB78}"/>
+                  </a:ext>
+                </a:extLst>
+              </p:cNvPr>
+              <p:cNvSpPr txBox="1"/>
+              <p:nvPr/>
+            </p:nvSpPr>
+            <p:spPr>
+              <a:xfrm>
+                <a:off x="2896553" y="641180"/>
+                <a:ext cx="148114" cy="246221"/>
+              </a:xfrm>
+              <a:prstGeom prst="rect">
+                <a:avLst/>
+              </a:prstGeom>
+              <a:solidFill>
+                <a:schemeClr val="bg1"/>
+              </a:solidFill>
+            </p:spPr>
+            <p:txBody>
+              <a:bodyPr wrap="square" rtlCol="0">
+                <a:spAutoFit/>
+              </a:bodyPr>
+              <a:lstStyle/>
+              <a:p>
+                <a:pPr algn="ctr"/>
+                <a:r>
+                  <a:rPr lang="en-US" sz="1000" dirty="0"/>
+                  <a:t>1</a:t>
+                </a:r>
+              </a:p>
+            </p:txBody>
+          </p:sp>
+          <p:sp>
+            <p:nvSpPr>
+              <p:cNvPr id="12" name="TextBox 11">
+                <a:extLst>
+                  <a:ext uri="{FF2B5EF4-FFF2-40B4-BE49-F238E27FC236}">
+                    <a16:creationId xmlns:a16="http://schemas.microsoft.com/office/drawing/2014/main" id="{071C0422-24B5-44AC-A53D-34B3B9253B31}"/>
+                  </a:ext>
+                </a:extLst>
+              </p:cNvPr>
+              <p:cNvSpPr txBox="1"/>
+              <p:nvPr/>
+            </p:nvSpPr>
+            <p:spPr>
+              <a:xfrm>
+                <a:off x="2591753" y="1377610"/>
+                <a:ext cx="148114" cy="246221"/>
+              </a:xfrm>
+              <a:prstGeom prst="rect">
+                <a:avLst/>
+              </a:prstGeom>
+              <a:solidFill>
+                <a:schemeClr val="bg1"/>
+              </a:solidFill>
+            </p:spPr>
+            <p:txBody>
+              <a:bodyPr wrap="square" rtlCol="0">
+                <a:spAutoFit/>
+              </a:bodyPr>
+              <a:lstStyle/>
+              <a:p>
+                <a:pPr algn="ctr"/>
+                <a:r>
+                  <a:rPr lang="en-US" sz="1000" dirty="0"/>
+                  <a:t>2</a:t>
+                </a:r>
+              </a:p>
+            </p:txBody>
+          </p:sp>
+          <p:sp>
+            <p:nvSpPr>
+              <p:cNvPr id="13" name="TextBox 12">
+                <a:extLst>
+                  <a:ext uri="{FF2B5EF4-FFF2-40B4-BE49-F238E27FC236}">
+                    <a16:creationId xmlns:a16="http://schemas.microsoft.com/office/drawing/2014/main" id="{C3AC2D4D-8194-4974-9FF6-5C859F8594DD}"/>
+                  </a:ext>
+                </a:extLst>
+              </p:cNvPr>
+              <p:cNvSpPr txBox="1"/>
+              <p:nvPr/>
+            </p:nvSpPr>
+            <p:spPr>
+              <a:xfrm>
+                <a:off x="3969253" y="1644040"/>
+                <a:ext cx="148114" cy="246221"/>
+              </a:xfrm>
+              <a:prstGeom prst="rect">
+                <a:avLst/>
+              </a:prstGeom>
+              <a:solidFill>
+                <a:schemeClr val="bg1"/>
+              </a:solidFill>
+            </p:spPr>
+            <p:txBody>
+              <a:bodyPr wrap="square" rtlCol="0">
+                <a:spAutoFit/>
+              </a:bodyPr>
+              <a:lstStyle/>
+              <a:p>
+                <a:pPr algn="ctr"/>
+                <a:r>
+                  <a:rPr lang="en-US" sz="1000" dirty="0"/>
+                  <a:t>3</a:t>
+                </a:r>
+              </a:p>
+            </p:txBody>
+          </p:sp>
+          <p:sp>
+            <p:nvSpPr>
+              <p:cNvPr id="14" name="TextBox 13">
+                <a:extLst>
+                  <a:ext uri="{FF2B5EF4-FFF2-40B4-BE49-F238E27FC236}">
+                    <a16:creationId xmlns:a16="http://schemas.microsoft.com/office/drawing/2014/main" id="{E9E35108-EC9C-4178-944B-4073C27C8E45}"/>
+                  </a:ext>
+                </a:extLst>
+              </p:cNvPr>
+              <p:cNvSpPr txBox="1"/>
+              <p:nvPr/>
+            </p:nvSpPr>
+            <p:spPr>
+              <a:xfrm>
+                <a:off x="6292766" y="1644040"/>
+                <a:ext cx="148114" cy="246221"/>
+              </a:xfrm>
+              <a:prstGeom prst="rect">
+                <a:avLst/>
+              </a:prstGeom>
+              <a:solidFill>
+                <a:schemeClr val="bg1"/>
+              </a:solidFill>
+            </p:spPr>
+            <p:txBody>
+              <a:bodyPr wrap="square" rtlCol="0">
+                <a:spAutoFit/>
+              </a:bodyPr>
+              <a:lstStyle/>
+              <a:p>
+                <a:pPr algn="ctr"/>
+                <a:r>
+                  <a:rPr lang="en-US" sz="1000" dirty="0"/>
+                  <a:t>4</a:t>
+                </a:r>
+              </a:p>
+            </p:txBody>
+          </p:sp>
+          <p:sp>
+            <p:nvSpPr>
+              <p:cNvPr id="15" name="TextBox 14">
+                <a:extLst>
+                  <a:ext uri="{FF2B5EF4-FFF2-40B4-BE49-F238E27FC236}">
+                    <a16:creationId xmlns:a16="http://schemas.microsoft.com/office/drawing/2014/main" id="{79A8F11B-A611-4500-8AA7-6CFA87BE1C0A}"/>
+                  </a:ext>
+                </a:extLst>
+              </p:cNvPr>
+              <p:cNvSpPr txBox="1"/>
+              <p:nvPr/>
+            </p:nvSpPr>
+            <p:spPr>
+              <a:xfrm>
+                <a:off x="8542222" y="1623831"/>
+                <a:ext cx="148114" cy="246221"/>
+              </a:xfrm>
+              <a:prstGeom prst="rect">
+                <a:avLst/>
+              </a:prstGeom>
+              <a:solidFill>
+                <a:schemeClr val="bg1"/>
+              </a:solidFill>
+            </p:spPr>
+            <p:txBody>
+              <a:bodyPr wrap="square" rtlCol="0">
+                <a:spAutoFit/>
+              </a:bodyPr>
+              <a:lstStyle/>
+              <a:p>
+                <a:pPr algn="ctr"/>
+                <a:r>
+                  <a:rPr lang="en-US" sz="1000" dirty="0"/>
+                  <a:t>5</a:t>
+                </a:r>
+              </a:p>
+            </p:txBody>
+          </p:sp>
+        </p:grpSp>
+        <p:pic>
+          <p:nvPicPr>
+            <p:cNvPr id="2" name="Picture 1">
+              <a:extLst>
+                <a:ext uri="{FF2B5EF4-FFF2-40B4-BE49-F238E27FC236}">
+                  <a16:creationId xmlns:a16="http://schemas.microsoft.com/office/drawing/2014/main" id="{9681A687-14E0-4522-BE5F-FFF2AAFDA705}"/>
+                </a:ext>
+              </a:extLst>
+            </p:cNvPr>
+            <p:cNvPicPr>
+              <a:picLocks noChangeAspect="1"/>
+            </p:cNvPicPr>
+            <p:nvPr/>
+          </p:nvPicPr>
+          <p:blipFill>
+            <a:blip r:embed="rId3"/>
+            <a:stretch>
+              <a:fillRect/>
+            </a:stretch>
+          </p:blipFill>
+          <p:spPr>
+            <a:xfrm>
+              <a:off x="2018349" y="300038"/>
+              <a:ext cx="951071" cy="240938"/>
+            </a:xfrm>
+            <a:prstGeom prst="rect">
+              <a:avLst/>
+            </a:prstGeom>
+          </p:spPr>
+        </p:pic>
+      </p:grpSp>
+    </p:spTree>
+    <p:extLst>
+      <p:ext uri="{BB962C8B-B14F-4D97-AF65-F5344CB8AC3E}">
+        <p14:creationId xmlns:p14="http://schemas.microsoft.com/office/powerpoint/2010/main" val="2185259075"/>
+      </p:ext>
+    </p:extLst>
+  </p:cSld>
+  <p:clrMapOvr>
+    <a:masterClrMapping/>
+  </p:clrMapOvr>
+</p:sld>
+</file>
+
+<file path=ppt/slides/slide3.xml><?xml version="1.0" encoding="utf-8"?>
+<p:sld xmlns:a="http://schemas.openxmlformats.org/drawingml/2006/main" xmlns:r="http://schemas.openxmlformats.org/officeDocument/2006/relationships" xmlns:p="http://schemas.openxmlformats.org/presentationml/2006/main">
+  <p:cSld>
+    <p:spTree>
+      <p:nvGrpSpPr>
+        <p:cNvPr id="1" name=""/>
+        <p:cNvGrpSpPr/>
+        <p:nvPr/>
+      </p:nvGrpSpPr>
+      <p:grpSpPr>
+        <a:xfrm>
+          <a:off x="0" y="0"/>
+          <a:ext cx="0" cy="0"/>
+          <a:chOff x="0" y="0"/>
+          <a:chExt cx="0" cy="0"/>
+        </a:xfrm>
+      </p:grpSpPr>
+      <p:grpSp>
+        <p:nvGrpSpPr>
+          <p:cNvPr id="2" name="Group 1">
+            <a:extLst>
+              <a:ext uri="{FF2B5EF4-FFF2-40B4-BE49-F238E27FC236}">
+                <a16:creationId xmlns:a16="http://schemas.microsoft.com/office/drawing/2014/main" id="{199F8791-B82E-4024-AAB8-43F49DCA7F9C}"/>
               </a:ext>
             </a:extLst>
           </p:cNvPr>
@@ -4174,517 +4791,37 @@
             </a:prstGeom>
           </p:spPr>
         </p:pic>
-        <p:sp>
-          <p:nvSpPr>
-            <p:cNvPr id="5" name="Rectangle 4">
+        <p:pic>
+          <p:nvPicPr>
+            <p:cNvPr id="4" name="Picture 3">
               <a:extLst>
                 <a:ext uri="{FF2B5EF4-FFF2-40B4-BE49-F238E27FC236}">
-                  <a16:creationId xmlns:a16="http://schemas.microsoft.com/office/drawing/2014/main" id="{E57CE38C-1F19-43DA-8F4A-C417FF1D409B}"/>
+                  <a16:creationId xmlns:a16="http://schemas.microsoft.com/office/drawing/2014/main" id="{98D7E652-DC71-4A80-8C00-1A4442EA33C0}"/>
                 </a:ext>
               </a:extLst>
             </p:cNvPr>
-            <p:cNvSpPr/>
+            <p:cNvPicPr>
+              <a:picLocks noChangeAspect="1"/>
+            </p:cNvPicPr>
             <p:nvPr/>
-          </p:nvSpPr>
+          </p:nvPicPr>
+          <p:blipFill>
+            <a:blip r:embed="rId3"/>
+            <a:stretch>
+              <a:fillRect/>
+            </a:stretch>
+          </p:blipFill>
           <p:spPr>
             <a:xfrm>
-              <a:off x="2037144" y="1747777"/>
-              <a:ext cx="2164466" cy="2008883"/>
+              <a:off x="2018349" y="300038"/>
+              <a:ext cx="951071" cy="240938"/>
             </a:xfrm>
             <a:prstGeom prst="rect">
               <a:avLst/>
             </a:prstGeom>
-            <a:noFill/>
-            <a:ln>
-              <a:solidFill>
-                <a:srgbClr val="FF0000"/>
-              </a:solidFill>
-            </a:ln>
           </p:spPr>
-          <p:style>
-            <a:lnRef idx="2">
-              <a:schemeClr val="accent1">
-                <a:shade val="50000"/>
-              </a:schemeClr>
-            </a:lnRef>
-            <a:fillRef idx="1">
-              <a:schemeClr val="accent1"/>
-            </a:fillRef>
-            <a:effectRef idx="0">
-              <a:schemeClr val="accent1"/>
-            </a:effectRef>
-            <a:fontRef idx="minor">
-              <a:schemeClr val="lt1"/>
-            </a:fontRef>
-          </p:style>
-          <p:txBody>
-            <a:bodyPr rtlCol="0" anchor="ctr"/>
-            <a:lstStyle/>
-            <a:p>
-              <a:pPr algn="ctr"/>
-              <a:endParaRPr lang="en-US"/>
-            </a:p>
-          </p:txBody>
-        </p:sp>
-        <p:sp>
-          <p:nvSpPr>
-            <p:cNvPr id="7" name="Rectangle 6">
-              <a:extLst>
-                <a:ext uri="{FF2B5EF4-FFF2-40B4-BE49-F238E27FC236}">
-                  <a16:creationId xmlns:a16="http://schemas.microsoft.com/office/drawing/2014/main" id="{C7304C56-0642-4343-9AA5-40B9111B08D9}"/>
-                </a:ext>
-              </a:extLst>
-            </p:cNvPr>
-            <p:cNvSpPr/>
-            <p:nvPr/>
-          </p:nvSpPr>
-          <p:spPr>
-            <a:xfrm>
-              <a:off x="2037144" y="748634"/>
-              <a:ext cx="6813872" cy="241966"/>
-            </a:xfrm>
-            <a:prstGeom prst="rect">
-              <a:avLst/>
-            </a:prstGeom>
-            <a:noFill/>
-            <a:ln>
-              <a:solidFill>
-                <a:srgbClr val="FF0000"/>
-              </a:solidFill>
-            </a:ln>
-          </p:spPr>
-          <p:style>
-            <a:lnRef idx="2">
-              <a:schemeClr val="accent1">
-                <a:shade val="50000"/>
-              </a:schemeClr>
-            </a:lnRef>
-            <a:fillRef idx="1">
-              <a:schemeClr val="accent1"/>
-            </a:fillRef>
-            <a:effectRef idx="0">
-              <a:schemeClr val="accent1"/>
-            </a:effectRef>
-            <a:fontRef idx="minor">
-              <a:schemeClr val="lt1"/>
-            </a:fontRef>
-          </p:style>
-          <p:txBody>
-            <a:bodyPr rtlCol="0" anchor="ctr"/>
-            <a:lstStyle/>
-            <a:p>
-              <a:pPr algn="ctr"/>
-              <a:endParaRPr lang="en-US"/>
-            </a:p>
-          </p:txBody>
-        </p:sp>
-        <p:sp>
-          <p:nvSpPr>
-            <p:cNvPr id="8" name="Rectangle 7">
-              <a:extLst>
-                <a:ext uri="{FF2B5EF4-FFF2-40B4-BE49-F238E27FC236}">
-                  <a16:creationId xmlns:a16="http://schemas.microsoft.com/office/drawing/2014/main" id="{CBB405BF-4067-4F2C-8A63-D83F03CE0C6A}"/>
-                </a:ext>
-              </a:extLst>
-            </p:cNvPr>
-            <p:cNvSpPr/>
-            <p:nvPr/>
-          </p:nvSpPr>
-          <p:spPr>
-            <a:xfrm>
-              <a:off x="2037144" y="1072484"/>
-              <a:ext cx="6813872" cy="469463"/>
-            </a:xfrm>
-            <a:prstGeom prst="rect">
-              <a:avLst/>
-            </a:prstGeom>
-            <a:noFill/>
-            <a:ln>
-              <a:solidFill>
-                <a:srgbClr val="FF0000"/>
-              </a:solidFill>
-            </a:ln>
-          </p:spPr>
-          <p:style>
-            <a:lnRef idx="2">
-              <a:schemeClr val="accent1">
-                <a:shade val="50000"/>
-              </a:schemeClr>
-            </a:lnRef>
-            <a:fillRef idx="1">
-              <a:schemeClr val="accent1"/>
-            </a:fillRef>
-            <a:effectRef idx="0">
-              <a:schemeClr val="accent1"/>
-            </a:effectRef>
-            <a:fontRef idx="minor">
-              <a:schemeClr val="lt1"/>
-            </a:fontRef>
-          </p:style>
-          <p:txBody>
-            <a:bodyPr rtlCol="0" anchor="ctr"/>
-            <a:lstStyle/>
-            <a:p>
-              <a:pPr algn="ctr"/>
-              <a:endParaRPr lang="en-US"/>
-            </a:p>
-          </p:txBody>
-        </p:sp>
-        <p:sp>
-          <p:nvSpPr>
-            <p:cNvPr id="9" name="Rectangle 8">
-              <a:extLst>
-                <a:ext uri="{FF2B5EF4-FFF2-40B4-BE49-F238E27FC236}">
-                  <a16:creationId xmlns:a16="http://schemas.microsoft.com/office/drawing/2014/main" id="{5C7383EE-9F1D-4DFB-9828-F79ECA474F21}"/>
-                </a:ext>
-              </a:extLst>
-            </p:cNvPr>
-            <p:cNvSpPr/>
-            <p:nvPr/>
-          </p:nvSpPr>
-          <p:spPr>
-            <a:xfrm>
-              <a:off x="6631967" y="1747777"/>
-              <a:ext cx="2077582" cy="2008883"/>
-            </a:xfrm>
-            <a:prstGeom prst="rect">
-              <a:avLst/>
-            </a:prstGeom>
-            <a:noFill/>
-            <a:ln>
-              <a:solidFill>
-                <a:srgbClr val="FF0000"/>
-              </a:solidFill>
-            </a:ln>
-          </p:spPr>
-          <p:style>
-            <a:lnRef idx="2">
-              <a:schemeClr val="accent1">
-                <a:shade val="50000"/>
-              </a:schemeClr>
-            </a:lnRef>
-            <a:fillRef idx="1">
-              <a:schemeClr val="accent1"/>
-            </a:fillRef>
-            <a:effectRef idx="0">
-              <a:schemeClr val="accent1"/>
-            </a:effectRef>
-            <a:fontRef idx="minor">
-              <a:schemeClr val="lt1"/>
-            </a:fontRef>
-          </p:style>
-          <p:txBody>
-            <a:bodyPr rtlCol="0" anchor="ctr"/>
-            <a:lstStyle/>
-            <a:p>
-              <a:pPr algn="ctr"/>
-              <a:endParaRPr lang="en-US"/>
-            </a:p>
-          </p:txBody>
-        </p:sp>
-        <p:sp>
-          <p:nvSpPr>
-            <p:cNvPr id="10" name="Rectangle 9">
-              <a:extLst>
-                <a:ext uri="{FF2B5EF4-FFF2-40B4-BE49-F238E27FC236}">
-                  <a16:creationId xmlns:a16="http://schemas.microsoft.com/office/drawing/2014/main" id="{C01598FD-DBE7-48AD-A5BE-BF43F1A3BFAC}"/>
-                </a:ext>
-              </a:extLst>
-            </p:cNvPr>
-            <p:cNvSpPr/>
-            <p:nvPr/>
-          </p:nvSpPr>
-          <p:spPr>
-            <a:xfrm>
-              <a:off x="4284054" y="1747777"/>
-              <a:ext cx="2250096" cy="2008883"/>
-            </a:xfrm>
-            <a:prstGeom prst="rect">
-              <a:avLst/>
-            </a:prstGeom>
-            <a:noFill/>
-            <a:ln>
-              <a:solidFill>
-                <a:srgbClr val="FF0000"/>
-              </a:solidFill>
-            </a:ln>
-          </p:spPr>
-          <p:style>
-            <a:lnRef idx="2">
-              <a:schemeClr val="accent1">
-                <a:shade val="50000"/>
-              </a:schemeClr>
-            </a:lnRef>
-            <a:fillRef idx="1">
-              <a:schemeClr val="accent1"/>
-            </a:fillRef>
-            <a:effectRef idx="0">
-              <a:schemeClr val="accent1"/>
-            </a:effectRef>
-            <a:fontRef idx="minor">
-              <a:schemeClr val="lt1"/>
-            </a:fontRef>
-          </p:style>
-          <p:txBody>
-            <a:bodyPr rtlCol="0" anchor="ctr"/>
-            <a:lstStyle/>
-            <a:p>
-              <a:pPr algn="ctr"/>
-              <a:endParaRPr lang="en-US"/>
-            </a:p>
-          </p:txBody>
-        </p:sp>
-        <p:sp>
-          <p:nvSpPr>
-            <p:cNvPr id="11" name="TextBox 10">
-              <a:extLst>
-                <a:ext uri="{FF2B5EF4-FFF2-40B4-BE49-F238E27FC236}">
-                  <a16:creationId xmlns:a16="http://schemas.microsoft.com/office/drawing/2014/main" id="{2BE28EB0-511E-4DB3-8A6F-39139658BB78}"/>
-                </a:ext>
-              </a:extLst>
-            </p:cNvPr>
-            <p:cNvSpPr txBox="1"/>
-            <p:nvPr/>
-          </p:nvSpPr>
-          <p:spPr>
-            <a:xfrm>
-              <a:off x="2896553" y="641180"/>
-              <a:ext cx="148114" cy="246221"/>
-            </a:xfrm>
-            <a:prstGeom prst="rect">
-              <a:avLst/>
-            </a:prstGeom>
-            <a:solidFill>
-              <a:schemeClr val="bg1"/>
-            </a:solidFill>
-          </p:spPr>
-          <p:txBody>
-            <a:bodyPr wrap="square" rtlCol="0">
-              <a:spAutoFit/>
-            </a:bodyPr>
-            <a:lstStyle/>
-            <a:p>
-              <a:pPr algn="ctr"/>
-              <a:r>
-                <a:rPr lang="en-US" sz="1000" dirty="0"/>
-                <a:t>1</a:t>
-              </a:r>
-            </a:p>
-          </p:txBody>
-        </p:sp>
-        <p:sp>
-          <p:nvSpPr>
-            <p:cNvPr id="12" name="TextBox 11">
-              <a:extLst>
-                <a:ext uri="{FF2B5EF4-FFF2-40B4-BE49-F238E27FC236}">
-                  <a16:creationId xmlns:a16="http://schemas.microsoft.com/office/drawing/2014/main" id="{071C0422-24B5-44AC-A53D-34B3B9253B31}"/>
-                </a:ext>
-              </a:extLst>
-            </p:cNvPr>
-            <p:cNvSpPr txBox="1"/>
-            <p:nvPr/>
-          </p:nvSpPr>
-          <p:spPr>
-            <a:xfrm>
-              <a:off x="2591753" y="1377610"/>
-              <a:ext cx="148114" cy="246221"/>
-            </a:xfrm>
-            <a:prstGeom prst="rect">
-              <a:avLst/>
-            </a:prstGeom>
-            <a:solidFill>
-              <a:schemeClr val="bg1"/>
-            </a:solidFill>
-          </p:spPr>
-          <p:txBody>
-            <a:bodyPr wrap="square" rtlCol="0">
-              <a:spAutoFit/>
-            </a:bodyPr>
-            <a:lstStyle/>
-            <a:p>
-              <a:pPr algn="ctr"/>
-              <a:r>
-                <a:rPr lang="en-US" sz="1000" dirty="0"/>
-                <a:t>2</a:t>
-              </a:r>
-            </a:p>
-          </p:txBody>
-        </p:sp>
-        <p:sp>
-          <p:nvSpPr>
-            <p:cNvPr id="13" name="TextBox 12">
-              <a:extLst>
-                <a:ext uri="{FF2B5EF4-FFF2-40B4-BE49-F238E27FC236}">
-                  <a16:creationId xmlns:a16="http://schemas.microsoft.com/office/drawing/2014/main" id="{C3AC2D4D-8194-4974-9FF6-5C859F8594DD}"/>
-                </a:ext>
-              </a:extLst>
-            </p:cNvPr>
-            <p:cNvSpPr txBox="1"/>
-            <p:nvPr/>
-          </p:nvSpPr>
-          <p:spPr>
-            <a:xfrm>
-              <a:off x="3969253" y="1644040"/>
-              <a:ext cx="148114" cy="246221"/>
-            </a:xfrm>
-            <a:prstGeom prst="rect">
-              <a:avLst/>
-            </a:prstGeom>
-            <a:solidFill>
-              <a:schemeClr val="bg1"/>
-            </a:solidFill>
-          </p:spPr>
-          <p:txBody>
-            <a:bodyPr wrap="square" rtlCol="0">
-              <a:spAutoFit/>
-            </a:bodyPr>
-            <a:lstStyle/>
-            <a:p>
-              <a:pPr algn="ctr"/>
-              <a:r>
-                <a:rPr lang="en-US" sz="1000" dirty="0"/>
-                <a:t>3</a:t>
-              </a:r>
-            </a:p>
-          </p:txBody>
-        </p:sp>
-        <p:sp>
-          <p:nvSpPr>
-            <p:cNvPr id="14" name="TextBox 13">
-              <a:extLst>
-                <a:ext uri="{FF2B5EF4-FFF2-40B4-BE49-F238E27FC236}">
-                  <a16:creationId xmlns:a16="http://schemas.microsoft.com/office/drawing/2014/main" id="{E9E35108-EC9C-4178-944B-4073C27C8E45}"/>
-                </a:ext>
-              </a:extLst>
-            </p:cNvPr>
-            <p:cNvSpPr txBox="1"/>
-            <p:nvPr/>
-          </p:nvSpPr>
-          <p:spPr>
-            <a:xfrm>
-              <a:off x="6292766" y="1644040"/>
-              <a:ext cx="148114" cy="246221"/>
-            </a:xfrm>
-            <a:prstGeom prst="rect">
-              <a:avLst/>
-            </a:prstGeom>
-            <a:solidFill>
-              <a:schemeClr val="bg1"/>
-            </a:solidFill>
-          </p:spPr>
-          <p:txBody>
-            <a:bodyPr wrap="square" rtlCol="0">
-              <a:spAutoFit/>
-            </a:bodyPr>
-            <a:lstStyle/>
-            <a:p>
-              <a:pPr algn="ctr"/>
-              <a:r>
-                <a:rPr lang="en-US" sz="1000" dirty="0"/>
-                <a:t>4</a:t>
-              </a:r>
-            </a:p>
-          </p:txBody>
-        </p:sp>
-        <p:sp>
-          <p:nvSpPr>
-            <p:cNvPr id="15" name="TextBox 14">
-              <a:extLst>
-                <a:ext uri="{FF2B5EF4-FFF2-40B4-BE49-F238E27FC236}">
-                  <a16:creationId xmlns:a16="http://schemas.microsoft.com/office/drawing/2014/main" id="{79A8F11B-A611-4500-8AA7-6CFA87BE1C0A}"/>
-                </a:ext>
-              </a:extLst>
-            </p:cNvPr>
-            <p:cNvSpPr txBox="1"/>
-            <p:nvPr/>
-          </p:nvSpPr>
-          <p:spPr>
-            <a:xfrm>
-              <a:off x="8542222" y="1623831"/>
-              <a:ext cx="148114" cy="246221"/>
-            </a:xfrm>
-            <a:prstGeom prst="rect">
-              <a:avLst/>
-            </a:prstGeom>
-            <a:solidFill>
-              <a:schemeClr val="bg1"/>
-            </a:solidFill>
-          </p:spPr>
-          <p:txBody>
-            <a:bodyPr wrap="square" rtlCol="0">
-              <a:spAutoFit/>
-            </a:bodyPr>
-            <a:lstStyle/>
-            <a:p>
-              <a:pPr algn="ctr"/>
-              <a:r>
-                <a:rPr lang="en-US" sz="1000" dirty="0"/>
-                <a:t>5</a:t>
-              </a:r>
-            </a:p>
-          </p:txBody>
-        </p:sp>
+        </p:pic>
       </p:grpSp>
-    </p:spTree>
-    <p:extLst>
-      <p:ext uri="{BB962C8B-B14F-4D97-AF65-F5344CB8AC3E}">
-        <p14:creationId xmlns:p14="http://schemas.microsoft.com/office/powerpoint/2010/main" val="2185259075"/>
-      </p:ext>
-    </p:extLst>
-  </p:cSld>
-  <p:clrMapOvr>
-    <a:masterClrMapping/>
-  </p:clrMapOvr>
-</p:sld>
-</file>
-
-<file path=ppt/slides/slide3.xml><?xml version="1.0" encoding="utf-8"?>
-<p:sld xmlns:a="http://schemas.openxmlformats.org/drawingml/2006/main" xmlns:r="http://schemas.openxmlformats.org/officeDocument/2006/relationships" xmlns:p="http://schemas.openxmlformats.org/presentationml/2006/main">
-  <p:cSld>
-    <p:spTree>
-      <p:nvGrpSpPr>
-        <p:cNvPr id="1" name=""/>
-        <p:cNvGrpSpPr/>
-        <p:nvPr/>
-      </p:nvGrpSpPr>
-      <p:grpSpPr>
-        <a:xfrm>
-          <a:off x="0" y="0"/>
-          <a:ext cx="0" cy="0"/>
-          <a:chOff x="0" y="0"/>
-          <a:chExt cx="0" cy="0"/>
-        </a:xfrm>
-      </p:grpSpPr>
-      <p:pic>
-        <p:nvPicPr>
-          <p:cNvPr id="3" name="Picture 2">
-            <a:extLst>
-              <a:ext uri="{FF2B5EF4-FFF2-40B4-BE49-F238E27FC236}">
-                <a16:creationId xmlns:a16="http://schemas.microsoft.com/office/drawing/2014/main" id="{DA568356-789A-425C-9036-D740E817B8A5}"/>
-              </a:ext>
-            </a:extLst>
-          </p:cNvPr>
-          <p:cNvPicPr>
-            <a:picLocks noChangeAspect="1"/>
-          </p:cNvPicPr>
-          <p:nvPr/>
-        </p:nvPicPr>
-        <p:blipFill>
-          <a:blip r:embed="rId2"/>
-          <a:stretch>
-            <a:fillRect/>
-          </a:stretch>
-        </p:blipFill>
-        <p:spPr>
-          <a:xfrm>
-            <a:off x="2006875" y="288120"/>
-            <a:ext cx="6875188" cy="3715474"/>
-          </a:xfrm>
-          <a:prstGeom prst="rect">
-            <a:avLst/>
-          </a:prstGeom>
-        </p:spPr>
-      </p:pic>
     </p:spTree>
     <p:extLst>
       <p:ext uri="{BB962C8B-B14F-4D97-AF65-F5344CB8AC3E}">
